--- a/quantum_code_testbed.pptx
+++ b/quantum_code_testbed.pptx
@@ -10,9 +10,10 @@
     <p:sldId id="259" r:id="rId4"/>
     <p:sldId id="261" r:id="rId5"/>
     <p:sldId id="260" r:id="rId6"/>
-    <p:sldId id="262" r:id="rId7"/>
-    <p:sldId id="263" r:id="rId8"/>
-    <p:sldId id="258" r:id="rId9"/>
+    <p:sldId id="264" r:id="rId7"/>
+    <p:sldId id="262" r:id="rId8"/>
+    <p:sldId id="263" r:id="rId9"/>
+    <p:sldId id="258" r:id="rId10"/>
   </p:sldIdLst>
   <p:sldSz cx="12192000" cy="6858000"/>
   <p:notesSz cx="6858000" cy="9144000"/>
@@ -3930,23 +3931,7 @@
               <a:p>
                 <a:r>
                   <a:rPr lang="en-US" dirty="0"/>
-                  <a:t>Encode random state </a:t>
-                </a:r>
-                <a:r>
-                  <a:rPr lang="en-US"/>
-                  <a:t>using the [[</a:t>
-                </a:r>
-                <a:r>
-                  <a:rPr lang="en-US" dirty="0"/>
-                  <a:t>5,1,3</a:t>
-                </a:r>
-                <a:r>
-                  <a:rPr lang="en-US"/>
-                  <a:t>]] code </a:t>
-                </a:r>
-                <a:r>
-                  <a:rPr lang="en-US" dirty="0"/>
-                  <a:t>encoding network (order of qubits is reversed in Python code i.e. c is qubit 0).</a:t>
+                  <a:t>Encode random state using the [[5,1,3]] code encoding network (order of qubits is reversed in Python code i.e. c is qubit 0).</a:t>
                 </a:r>
               </a:p>
               <a:p>
@@ -4440,7 +4425,7 @@
           <p:cNvPr id="2" name="Title 1">
             <a:extLst>
               <a:ext uri="{FF2B5EF4-FFF2-40B4-BE49-F238E27FC236}">
-                <a16:creationId xmlns:a16="http://schemas.microsoft.com/office/drawing/2014/main" id="{98F3F226-AA8C-8244-A390-A889F9F19972}"/>
+                <a16:creationId xmlns:a16="http://schemas.microsoft.com/office/drawing/2014/main" id="{AE1E8BC2-442B-6A49-B02C-35EACBBFF789}"/>
               </a:ext>
             </a:extLst>
           </p:cNvPr>
@@ -4451,74 +4436,91 @@
             <p:ph type="title"/>
           </p:nvPr>
         </p:nvSpPr>
-        <p:spPr/>
+        <p:spPr>
+          <a:xfrm>
+            <a:off x="0" y="-261892"/>
+            <a:ext cx="10515600" cy="1325563"/>
+          </a:xfrm>
+        </p:spPr>
         <p:txBody>
           <a:bodyPr/>
           <a:lstStyle/>
           <a:p>
             <a:r>
               <a:rPr lang="en-US" dirty="0"/>
-              <a:t>If I had two more weeks (or if my laptop charger didn't break!)</a:t>
-            </a:r>
-          </a:p>
-        </p:txBody>
-      </p:sp>
-      <p:sp>
-        <p:nvSpPr>
-          <p:cNvPr id="3" name="Content Placeholder 2">
-            <a:extLst>
-              <a:ext uri="{FF2B5EF4-FFF2-40B4-BE49-F238E27FC236}">
-                <a16:creationId xmlns:a16="http://schemas.microsoft.com/office/drawing/2014/main" id="{2FBE856F-17E6-674F-A33B-2F7715FA399A}"/>
-              </a:ext>
-            </a:extLst>
-          </p:cNvPr>
-          <p:cNvSpPr>
-            <a:spLocks noGrp="1"/>
-          </p:cNvSpPr>
-          <p:nvPr>
-            <p:ph idx="1"/>
-          </p:nvPr>
-        </p:nvSpPr>
-        <p:spPr/>
-        <p:txBody>
-          <a:bodyPr/>
+              <a:t>Results</a:t>
+            </a:r>
+          </a:p>
+        </p:txBody>
+      </p:sp>
+      <p:sp>
+        <p:nvSpPr>
+          <p:cNvPr id="6" name="TextBox 5">
+            <a:extLst>
+              <a:ext uri="{FF2B5EF4-FFF2-40B4-BE49-F238E27FC236}">
+                <a16:creationId xmlns:a16="http://schemas.microsoft.com/office/drawing/2014/main" id="{6F9DE586-442C-DC4A-9CCE-262ABEEF5A7F}"/>
+              </a:ext>
+            </a:extLst>
+          </p:cNvPr>
+          <p:cNvSpPr txBox="1"/>
+          <p:nvPr/>
+        </p:nvSpPr>
+        <p:spPr>
+          <a:xfrm>
+            <a:off x="113211" y="6089077"/>
+            <a:ext cx="11965578" cy="369332"/>
+          </a:xfrm>
+          <a:prstGeom prst="rect">
+            <a:avLst/>
+          </a:prstGeom>
+          <a:noFill/>
+        </p:spPr>
+        <p:txBody>
+          <a:bodyPr wrap="square" rtlCol="0">
+            <a:spAutoFit/>
+          </a:bodyPr>
           <a:lstStyle/>
           <a:p>
             <a:r>
               <a:rPr lang="en-US" dirty="0"/>
-              <a:t>Understand if presence of noise in encoding network contributed to lack of efficacy of the encoding and correction.</a:t>
-            </a:r>
-          </a:p>
-          <a:p>
-            <a:endParaRPr lang="en-US" dirty="0"/>
-          </a:p>
-          <a:p>
-            <a:r>
-              <a:rPr lang="en-US" dirty="0"/>
-              <a:t>Use as a pedagogical tool to observe the relationship between the optimal weighting of check operators and the choice of noise model . </a:t>
-            </a:r>
-          </a:p>
-          <a:p>
-            <a:endParaRPr lang="en-US" dirty="0"/>
-          </a:p>
-          <a:p>
-            <a:r>
-              <a:rPr lang="en-US" dirty="0"/>
-              <a:t>How does the choice of check operators affect the numerical stability of the generalised eigenvalue problem</a:t>
-            </a:r>
-          </a:p>
-          <a:p>
-            <a:endParaRPr lang="en-US" dirty="0"/>
-          </a:p>
-          <a:p>
-            <a:endParaRPr lang="en-US" dirty="0"/>
-          </a:p>
-        </p:txBody>
-      </p:sp>
+              <a:t>Absolute error with exact expectation of target observable. Labels correspond to same cases as on previous slide.</a:t>
+            </a:r>
+          </a:p>
+        </p:txBody>
+      </p:sp>
+      <p:pic>
+        <p:nvPicPr>
+          <p:cNvPr id="7" name="Picture 6">
+            <a:extLst>
+              <a:ext uri="{FF2B5EF4-FFF2-40B4-BE49-F238E27FC236}">
+                <a16:creationId xmlns:a16="http://schemas.microsoft.com/office/drawing/2014/main" id="{C8923F05-5013-D24E-83A3-70D4C739A6B2}"/>
+              </a:ext>
+            </a:extLst>
+          </p:cNvPr>
+          <p:cNvPicPr>
+            <a:picLocks noChangeAspect="1"/>
+          </p:cNvPicPr>
+          <p:nvPr/>
+        </p:nvPicPr>
+        <p:blipFill rotWithShape="1">
+          <a:blip r:embed="rId2"/>
+          <a:srcRect l="7220" t="10867" r="9062" b="3038"/>
+          <a:stretch/>
+        </p:blipFill>
+        <p:spPr>
+          <a:xfrm>
+            <a:off x="1841862" y="184666"/>
+            <a:ext cx="9614263" cy="5904411"/>
+          </a:xfrm>
+          <a:prstGeom prst="rect">
+            <a:avLst/>
+          </a:prstGeom>
+        </p:spPr>
+      </p:pic>
     </p:spTree>
     <p:extLst>
       <p:ext uri="{BB962C8B-B14F-4D97-AF65-F5344CB8AC3E}">
-        <p14:creationId xmlns:p14="http://schemas.microsoft.com/office/powerpoint/2010/main" val="3134666780"/>
+        <p14:creationId xmlns:p14="http://schemas.microsoft.com/office/powerpoint/2010/main" val="3535297795"/>
       </p:ext>
     </p:extLst>
   </p:cSld>
@@ -4561,6 +4563,116 @@
             <p:ph type="title"/>
           </p:nvPr>
         </p:nvSpPr>
+        <p:spPr/>
+        <p:txBody>
+          <a:bodyPr/>
+          <a:lstStyle/>
+          <a:p>
+            <a:r>
+              <a:rPr lang="en-US" dirty="0"/>
+              <a:t>If I had two more weeks (or if my laptop charger didn't break!)</a:t>
+            </a:r>
+          </a:p>
+        </p:txBody>
+      </p:sp>
+      <p:sp>
+        <p:nvSpPr>
+          <p:cNvPr id="3" name="Content Placeholder 2">
+            <a:extLst>
+              <a:ext uri="{FF2B5EF4-FFF2-40B4-BE49-F238E27FC236}">
+                <a16:creationId xmlns:a16="http://schemas.microsoft.com/office/drawing/2014/main" id="{2FBE856F-17E6-674F-A33B-2F7715FA399A}"/>
+              </a:ext>
+            </a:extLst>
+          </p:cNvPr>
+          <p:cNvSpPr>
+            <a:spLocks noGrp="1"/>
+          </p:cNvSpPr>
+          <p:nvPr>
+            <p:ph idx="1"/>
+          </p:nvPr>
+        </p:nvSpPr>
+        <p:spPr/>
+        <p:txBody>
+          <a:bodyPr/>
+          <a:lstStyle/>
+          <a:p>
+            <a:r>
+              <a:rPr lang="en-US" dirty="0"/>
+              <a:t>Understand if presence of noise in encoding network contributed to lack of efficacy of the encoding and correction.</a:t>
+            </a:r>
+          </a:p>
+          <a:p>
+            <a:endParaRPr lang="en-US" dirty="0"/>
+          </a:p>
+          <a:p>
+            <a:r>
+              <a:rPr lang="en-US" dirty="0"/>
+              <a:t>Use as a pedagogical tool to observe the relationship between the optimal weighting of check operators and the choice of noise model . </a:t>
+            </a:r>
+          </a:p>
+          <a:p>
+            <a:endParaRPr lang="en-US" dirty="0"/>
+          </a:p>
+          <a:p>
+            <a:r>
+              <a:rPr lang="en-US" dirty="0"/>
+              <a:t>How does the choice of check operators affect the numerical stability of the generalised eigenvalue problem</a:t>
+            </a:r>
+          </a:p>
+          <a:p>
+            <a:endParaRPr lang="en-US" dirty="0"/>
+          </a:p>
+          <a:p>
+            <a:endParaRPr lang="en-US" dirty="0"/>
+          </a:p>
+        </p:txBody>
+      </p:sp>
+    </p:spTree>
+    <p:extLst>
+      <p:ext uri="{BB962C8B-B14F-4D97-AF65-F5344CB8AC3E}">
+        <p14:creationId xmlns:p14="http://schemas.microsoft.com/office/powerpoint/2010/main" val="3134666780"/>
+      </p:ext>
+    </p:extLst>
+  </p:cSld>
+  <p:clrMapOvr>
+    <a:masterClrMapping/>
+  </p:clrMapOvr>
+</p:sld>
+</file>
+
+<file path=ppt/slides/slide8.xml><?xml version="1.0" encoding="utf-8"?>
+<p:sld xmlns:a="http://schemas.openxmlformats.org/drawingml/2006/main" xmlns:r="http://schemas.openxmlformats.org/officeDocument/2006/relationships" xmlns:p="http://schemas.openxmlformats.org/presentationml/2006/main">
+  <p:cSld>
+    <p:spTree>
+      <p:nvGrpSpPr>
+        <p:cNvPr id="1" name=""/>
+        <p:cNvGrpSpPr/>
+        <p:nvPr/>
+      </p:nvGrpSpPr>
+      <p:grpSpPr>
+        <a:xfrm>
+          <a:off x="0" y="0"/>
+          <a:ext cx="0" cy="0"/>
+          <a:chOff x="0" y="0"/>
+          <a:chExt cx="0" cy="0"/>
+        </a:xfrm>
+      </p:grpSpPr>
+      <p:sp>
+        <p:nvSpPr>
+          <p:cNvPr id="2" name="Title 1">
+            <a:extLst>
+              <a:ext uri="{FF2B5EF4-FFF2-40B4-BE49-F238E27FC236}">
+                <a16:creationId xmlns:a16="http://schemas.microsoft.com/office/drawing/2014/main" id="{98F3F226-AA8C-8244-A390-A889F9F19972}"/>
+              </a:ext>
+            </a:extLst>
+          </p:cNvPr>
+          <p:cNvSpPr>
+            <a:spLocks noGrp="1"/>
+          </p:cNvSpPr>
+          <p:nvPr>
+            <p:ph type="title"/>
+          </p:nvPr>
+        </p:nvSpPr>
         <p:spPr>
           <a:xfrm>
             <a:off x="50072" y="0"/>
@@ -4647,7 +4759,7 @@
 </p:sld>
 </file>
 
-<file path=ppt/slides/slide8.xml><?xml version="1.0" encoding="utf-8"?>
+<file path=ppt/slides/slide9.xml><?xml version="1.0" encoding="utf-8"?>
 <p:sld xmlns:a="http://schemas.openxmlformats.org/drawingml/2006/main" xmlns:r="http://schemas.openxmlformats.org/officeDocument/2006/relationships" xmlns:p="http://schemas.openxmlformats.org/presentationml/2006/main">
   <p:cSld>
     <p:spTree>
